--- a/INTERMEDIATE BACKEND.pptx
+++ b/INTERMEDIATE BACKEND.pptx
@@ -19,18 +19,18 @@
   <p:notesSz cx="6858000" cy="9144000"/>
   <p:embeddedFontLst>
     <p:embeddedFont>
-      <p:font typeface="Roboto Slab" charset="0"/>
+      <p:font typeface="Crete Round" charset="0"/>
       <p:regular r:id="rId9"/>
-      <p:bold r:id="rId10"/>
+      <p:italic r:id="rId10"/>
     </p:embeddedFont>
     <p:embeddedFont>
       <p:font typeface="Bebas Neue" charset="0"/>
       <p:regular r:id="rId11"/>
     </p:embeddedFont>
     <p:embeddedFont>
-      <p:font typeface="Crete Round" charset="0"/>
+      <p:font typeface="Roboto Slab" charset="0"/>
       <p:regular r:id="rId12"/>
-      <p:italic r:id="rId13"/>
+      <p:bold r:id="rId13"/>
     </p:embeddedFont>
   </p:embeddedFontLst>
   <p:defaultTextStyle>
@@ -10027,8 +10027,8 @@
         </p:nvSpPr>
         <p:spPr>
           <a:xfrm>
-            <a:off x="4501435" y="1063150"/>
-            <a:ext cx="3690900" cy="2468100"/>
+            <a:off x="2618319" y="1063150"/>
+            <a:ext cx="5574017" cy="2934732"/>
           </a:xfrm>
           <a:prstGeom prst="rect">
             <a:avLst/>
@@ -10050,17 +10050,17 @@
               <a:buNone/>
             </a:pPr>
             <a:r>
-              <a:rPr lang="pt-BR" sz="3600" dirty="0" smtClean="0"/>
+              <a:rPr lang="pt-BR" sz="5400" dirty="0" smtClean="0"/>
               <a:t>INTERMEDIATE</a:t>
             </a:r>
             <a:br>
-              <a:rPr lang="pt-BR" sz="3600" dirty="0" smtClean="0"/>
+              <a:rPr lang="pt-BR" sz="5400" dirty="0" smtClean="0"/>
             </a:br>
             <a:r>
-              <a:rPr lang="pt-BR" sz="3600" dirty="0" smtClean="0"/>
+              <a:rPr lang="pt-BR" sz="5400" dirty="0" smtClean="0"/>
               <a:t>BACKEND</a:t>
             </a:r>
-            <a:endParaRPr sz="3600" dirty="0"/>
+            <a:endParaRPr sz="5400" dirty="0"/>
           </a:p>
         </p:txBody>
       </p:sp>
@@ -12124,6 +12124,13 @@
   <p:clrMapOvr>
     <a:masterClrMapping/>
   </p:clrMapOvr>
+  <p:timing>
+    <p:tnLst>
+      <p:par>
+        <p:cTn id="1" dur="indefinite" restart="never" nodeType="tmRoot"/>
+      </p:par>
+    </p:tnLst>
+  </p:timing>
 </p:sld>
 </file>
 
@@ -12901,11 +12908,7 @@
             </a:pPr>
             <a:r>
               <a:rPr lang="en-US" dirty="0" smtClean="0"/>
-              <a:t>JSON </a:t>
-            </a:r>
-            <a:r>
-              <a:rPr lang="en-US" dirty="0" smtClean="0"/>
-              <a:t>Web Token (JWT)</a:t>
+              <a:t>JSON Web Token (JWT)</a:t>
             </a:r>
           </a:p>
           <a:p>
@@ -13066,11 +13069,7 @@
             </a:r>
             <a:r>
               <a:rPr lang="en-US" dirty="0"/>
-              <a:t> </a:t>
-            </a:r>
-            <a:r>
-              <a:rPr lang="en-US" dirty="0"/>
-              <a:t> </a:t>
+              <a:t>  </a:t>
             </a:r>
             <a:r>
               <a:rPr lang="en-US" dirty="0" err="1" smtClean="0"/>
@@ -13971,15 +13970,7 @@
             </a:r>
             <a:r>
               <a:rPr lang="en-US" dirty="0"/>
-              <a:t> </a:t>
-            </a:r>
-            <a:r>
-              <a:rPr lang="en-US" dirty="0"/>
-              <a:t>file</a:t>
-            </a:r>
-            <a:r>
-              <a:rPr lang="en-US" dirty="0"/>
-              <a:t> </a:t>
+              <a:t> file </a:t>
             </a:r>
             <a:r>
               <a:rPr lang="en-US" dirty="0" err="1"/>
@@ -14696,7 +14687,7 @@
             </a:r>
             <a:r>
               <a:rPr lang="en-US" dirty="0" err="1" smtClean="0"/>
-              <a:t>confiq</a:t>
+              <a:t>config</a:t>
             </a:r>
             <a:r>
               <a:rPr lang="en-US" dirty="0" smtClean="0"/>
@@ -14777,7 +14768,7 @@
         <p:spPr>
           <a:xfrm>
             <a:off x="2925375" y="693025"/>
-            <a:ext cx="5700723" cy="619705"/>
+            <a:ext cx="5700723" cy="1590693"/>
           </a:xfrm>
           <a:custGeom>
             <a:avLst/>
@@ -14900,8 +14891,8 @@
         </p:nvSpPr>
         <p:spPr>
           <a:xfrm>
-            <a:off x="2966025" y="732875"/>
-            <a:ext cx="5592000" cy="540000"/>
+            <a:off x="2966025" y="732874"/>
+            <a:ext cx="5592000" cy="1406827"/>
           </a:xfrm>
           <a:prstGeom prst="rect">
             <a:avLst/>
@@ -14923,10 +14914,22 @@
               <a:buNone/>
             </a:pPr>
             <a:r>
-              <a:rPr lang="pt-BR" dirty="0" smtClean="0"/>
-              <a:t> ---LIVE DEMO ---</a:t>
-            </a:r>
-            <a:endParaRPr dirty="0"/>
+              <a:rPr lang="pt-BR" sz="4000" dirty="0" smtClean="0"/>
+              <a:t> </a:t>
+            </a:r>
+            <a:r>
+              <a:rPr lang="pt-BR" sz="4000" dirty="0" smtClean="0"/>
+              <a:t>--- </a:t>
+            </a:r>
+            <a:r>
+              <a:rPr lang="pt-BR" sz="4000" dirty="0" smtClean="0"/>
+              <a:t>DEMO </a:t>
+            </a:r>
+            <a:r>
+              <a:rPr lang="pt-BR" sz="4000" dirty="0" smtClean="0"/>
+              <a:t> PROJECT---</a:t>
+            </a:r>
+            <a:endParaRPr sz="4000" dirty="0"/>
           </a:p>
         </p:txBody>
       </p:sp>
@@ -14935,6 +14938,13 @@
   <p:clrMapOvr>
     <a:masterClrMapping/>
   </p:clrMapOvr>
+  <p:timing>
+    <p:tnLst>
+      <p:par>
+        <p:cTn id="1" dur="indefinite" restart="never" nodeType="tmRoot"/>
+      </p:par>
+    </p:tnLst>
+  </p:timing>
 </p:sld>
 </file>
 
